--- a/lecture-materials/Managment&Governance/aws_License_Manager/AWS_License_Manager.pptx
+++ b/lecture-materials/Managment&Governance/aws_License_Manager/AWS_License_Manager.pptx
@@ -1030,7 +1030,7 @@
           <a:p>
             <a:fld id="{60DFB53E-2D7A-4A41-817D-0ED659E3E6C3}" type="datetimeFigureOut">
               <a:rPr lang="en-CH" smtClean="0"/>
-              <a:t>03.12.2023</a:t>
+              <a:t>14.02.2024</a:t>
             </a:fld>
             <a:endParaRPr lang="en-CH"/>
           </a:p>
@@ -1240,7 +1240,7 @@
           <a:p>
             <a:fld id="{60DFB53E-2D7A-4A41-817D-0ED659E3E6C3}" type="datetimeFigureOut">
               <a:rPr lang="en-CH" smtClean="0"/>
-              <a:t>03.12.2023</a:t>
+              <a:t>14.02.2024</a:t>
             </a:fld>
             <a:endParaRPr lang="en-CH"/>
           </a:p>
@@ -1460,7 +1460,7 @@
           <a:p>
             <a:fld id="{60DFB53E-2D7A-4A41-817D-0ED659E3E6C3}" type="datetimeFigureOut">
               <a:rPr lang="en-CH" smtClean="0"/>
-              <a:t>03.12.2023</a:t>
+              <a:t>14.02.2024</a:t>
             </a:fld>
             <a:endParaRPr lang="en-CH"/>
           </a:p>
@@ -2037,7 +2037,7 @@
           <a:p>
             <a:fld id="{60DFB53E-2D7A-4A41-817D-0ED659E3E6C3}" type="datetimeFigureOut">
               <a:rPr lang="en-CH" smtClean="0"/>
-              <a:t>03.12.2023</a:t>
+              <a:t>14.02.2024</a:t>
             </a:fld>
             <a:endParaRPr lang="en-CH"/>
           </a:p>
@@ -2323,7 +2323,7 @@
           <a:p>
             <a:fld id="{60DFB53E-2D7A-4A41-817D-0ED659E3E6C3}" type="datetimeFigureOut">
               <a:rPr lang="en-CH" smtClean="0"/>
-              <a:t>03.12.2023</a:t>
+              <a:t>14.02.2024</a:t>
             </a:fld>
             <a:endParaRPr lang="en-CH"/>
           </a:p>
@@ -2601,7 +2601,7 @@
           <a:p>
             <a:fld id="{60DFB53E-2D7A-4A41-817D-0ED659E3E6C3}" type="datetimeFigureOut">
               <a:rPr lang="en-CH" smtClean="0"/>
-              <a:t>03.12.2023</a:t>
+              <a:t>14.02.2024</a:t>
             </a:fld>
             <a:endParaRPr lang="en-CH"/>
           </a:p>
@@ -3026,7 +3026,7 @@
           <a:p>
             <a:fld id="{60DFB53E-2D7A-4A41-817D-0ED659E3E6C3}" type="datetimeFigureOut">
               <a:rPr lang="en-CH" smtClean="0"/>
-              <a:t>03.12.2023</a:t>
+              <a:t>14.02.2024</a:t>
             </a:fld>
             <a:endParaRPr lang="en-CH"/>
           </a:p>
@@ -3178,7 +3178,7 @@
           <a:p>
             <a:fld id="{60DFB53E-2D7A-4A41-817D-0ED659E3E6C3}" type="datetimeFigureOut">
               <a:rPr lang="en-CH" smtClean="0"/>
-              <a:t>03.12.2023</a:t>
+              <a:t>14.02.2024</a:t>
             </a:fld>
             <a:endParaRPr lang="en-CH"/>
           </a:p>
@@ -3301,7 +3301,7 @@
           <a:p>
             <a:fld id="{60DFB53E-2D7A-4A41-817D-0ED659E3E6C3}" type="datetimeFigureOut">
               <a:rPr lang="en-CH" smtClean="0"/>
-              <a:t>03.12.2023</a:t>
+              <a:t>14.02.2024</a:t>
             </a:fld>
             <a:endParaRPr lang="en-CH"/>
           </a:p>
@@ -3623,7 +3623,7 @@
           <a:p>
             <a:fld id="{60DFB53E-2D7A-4A41-817D-0ED659E3E6C3}" type="datetimeFigureOut">
               <a:rPr lang="en-CH" smtClean="0"/>
-              <a:t>03.12.2023</a:t>
+              <a:t>14.02.2024</a:t>
             </a:fld>
             <a:endParaRPr lang="en-CH"/>
           </a:p>
@@ -3922,7 +3922,7 @@
           <a:p>
             <a:fld id="{60DFB53E-2D7A-4A41-817D-0ED659E3E6C3}" type="datetimeFigureOut">
               <a:rPr lang="en-CH" smtClean="0"/>
-              <a:t>03.12.2023</a:t>
+              <a:t>14.02.2024</a:t>
             </a:fld>
             <a:endParaRPr lang="en-CH"/>
           </a:p>
@@ -4175,7 +4175,7 @@
           <a:p>
             <a:fld id="{60DFB53E-2D7A-4A41-817D-0ED659E3E6C3}" type="datetimeFigureOut">
               <a:rPr lang="en-CH" smtClean="0"/>
-              <a:t>03.12.2023</a:t>
+              <a:t>14.02.2024</a:t>
             </a:fld>
             <a:endParaRPr lang="en-CH"/>
           </a:p>
@@ -5108,7 +5108,7 @@
         </p:spPr>
         <p:txBody>
           <a:bodyPr spcFirstLastPara="1" vert="horz" lIns="91440" tIns="45720" rIns="91440" bIns="45720" rtlCol="0" anchor="ctr" anchorCtr="0">
-            <a:normAutofit/>
+            <a:normAutofit lnSpcReduction="10000"/>
           </a:bodyPr>
           <a:lstStyle/>
           <a:p>
@@ -5123,14 +5123,34 @@
               <a:buChar char="•"/>
             </a:pPr>
             <a:r>
-              <a:rPr lang="en-US" sz="1100">
+              <a:rPr lang="en-US" sz="1100" dirty="0">
                 <a:highlight>
                   <a:srgbClr val="FFFFFF"/>
                 </a:highlight>
               </a:rPr>
-              <a:t>AWS License Manager is a service that makes it easier for you to manage your software licenses from software vendors (for example, Microsoft, SAP, Oracle, and IBM) centrally across AWS and your on-premises environments. This provides control and visibility into the usage of your licenses, enabling you to limit licensing overages and reduce the risk of non-compliance and misreporting.</a:t>
+              <a:t>AWS License Manager is a service that makes it easier for you to manage your software licenses from software vendors (for example, Microsoft, SAP, Oracle, and IBM) centrally across AWS and your on-premises environments. </a:t>
             </a:r>
-            <a:endParaRPr lang="en-US" sz="1100"/>
+          </a:p>
+          <a:p>
+            <a:pPr marL="0" lvl="0" indent="-228600" defTabSz="914400">
+              <a:spcBef>
+                <a:spcPts val="0"/>
+              </a:spcBef>
+              <a:spcAft>
+                <a:spcPts val="1200"/>
+              </a:spcAft>
+              <a:buFont typeface="Arial" panose="020B0604020202020204" pitchFamily="34" charset="0"/>
+              <a:buChar char="•"/>
+            </a:pPr>
+            <a:r>
+              <a:rPr lang="en-US" sz="1100" dirty="0">
+                <a:highlight>
+                  <a:srgbClr val="FFFFFF"/>
+                </a:highlight>
+              </a:rPr>
+              <a:t>This provides control and visibility into the usage of your licenses, enabling you to limit licensing overages and reduce the risk of non-compliance and misreporting.</a:t>
+            </a:r>
+            <a:endParaRPr lang="en-US" sz="1100" dirty="0"/>
           </a:p>
         </p:txBody>
       </p:sp>
